--- a/output/automated_report.pptx
+++ b/output/automated_report.pptx
@@ -12,6 +12,7 @@
     <p:sldId id="260" r:id="rId11"/>
     <p:sldId id="261" r:id="rId12"/>
     <p:sldId id="262" r:id="rId13"/>
+    <p:sldId id="263" r:id="rId14"/>
   </p:sldIdLst>
   <p:sldSz cx="9144000" cy="6858000" type="screen4x3"/>
   <p:notesSz cx="6858000" cy="9144000"/>
@@ -3132,7 +3133,7 @@
               </a:defRPr>
             </a:pPr>
             <a:r>
-              <a:t>Growth Analysis Report</a:t>
+              <a:t>Revenue Performance Analysis</a:t>
             </a:r>
           </a:p>
         </p:txBody>
@@ -3301,7 +3302,7 @@
               </a:defRPr>
             </a:pPr>
             <a:r>
-              <a:t>Comprehensive analysis of 3 key performance indicators reveals significant business insights with both growth opportunities and operational challenges. Strategic focus on high-performing areas combined with targeted improvement initiatives for underperforming segments will drive enhanced business results.</a:t>
+              <a:t>This analysis highlights a robust sales performance, achieving a total revenue of $334,035.0 from 30 sales records, fundamentally driven by an impressive average order value of $11,134.5. The primary business opportunity lies in strategically expanding upon this high-value transaction model through targeted customer retention programs and the introduction of new premium offerings. While the consistent acquisition of high-value deals is the main performance driver, a key challenge will be to continuously scale this high average order value without compromising profitability or diluting the brand's premium perception in new markets..</a:t>
             </a:r>
           </a:p>
         </p:txBody>
@@ -3397,7 +3398,7 @@
               </a:defRPr>
             </a:pPr>
             <a:r>
-              <a:t>Rainfall Mm Gro...</a:t>
+              <a:t>Row Count</a:t>
             </a:r>
           </a:p>
           <a:p>
@@ -3409,7 +3410,7 @@
               </a:defRPr>
             </a:pPr>
             <a:r>
-              <a:t>-29.7%</a:t>
+              <a:t>30</a:t>
             </a:r>
           </a:p>
         </p:txBody>
@@ -3444,7 +3445,7 @@
               </a:defRPr>
             </a:pPr>
             <a:r>
-              <a:t>Totalal Rainfal...</a:t>
+              <a:t>Column Count</a:t>
             </a:r>
           </a:p>
           <a:p>
@@ -3456,7 +3457,7 @@
               </a:defRPr>
             </a:pPr>
             <a:r>
-              <a:t>44</a:t>
+              <a:t>6</a:t>
             </a:r>
           </a:p>
         </p:txBody>
@@ -3491,7 +3492,7 @@
               </a:defRPr>
             </a:pPr>
             <a:r>
-              <a:t>Average Rainfal...</a:t>
+              <a:t>Average Order V...</a:t>
             </a:r>
           </a:p>
           <a:p>
@@ -3503,7 +3504,54 @@
               </a:defRPr>
             </a:pPr>
             <a:r>
-              <a:t>1.5</a:t>
+              <a:t>11,134</a:t>
+            </a:r>
+          </a:p>
+        </p:txBody>
+      </p:sp>
+      <p:sp>
+        <p:nvSpPr>
+          <p:cNvPr id="6" name="TextBox 5"/>
+          <p:cNvSpPr txBox="1"/>
+          <p:nvPr/>
+        </p:nvSpPr>
+        <p:spPr>
+          <a:xfrm>
+            <a:off x="457200" y="3657600"/>
+            <a:ext cx="2560320" cy="1280160"/>
+          </a:xfrm>
+          <a:prstGeom prst="rect">
+            <a:avLst/>
+          </a:prstGeom>
+          <a:noFill/>
+        </p:spPr>
+        <p:txBody>
+          <a:bodyPr wrap="square">
+            <a:spAutoFit/>
+          </a:bodyPr>
+          <a:lstStyle/>
+          <a:p>
+            <a:pPr>
+              <a:defRPr sz="1200" b="1">
+                <a:solidFill>
+                  <a:srgbClr val="2E75B6"/>
+                </a:solidFill>
+              </a:defRPr>
+            </a:pPr>
+            <a:r>
+              <a:t>Data Completeness</a:t>
+            </a:r>
+          </a:p>
+          <a:p>
+            <a:pPr>
+              <a:defRPr sz="2000" b="1">
+                <a:solidFill>
+                  <a:srgbClr val="333333"/>
+                </a:solidFill>
+              </a:defRPr>
+            </a:pPr>
+            <a:r>
+              <a:t>100.0</a:t>
             </a:r>
           </a:p>
         </p:txBody>
@@ -3606,7 +3654,7 @@
       </p:sp>
       <p:pic>
         <p:nvPicPr>
-          <p:cNvPr id="4" name="Picture 3" descr="trends_chart.png"/>
+          <p:cNvPr id="4" name="Picture 3" descr="sales_data_20251203_135440_trend.png"/>
           <p:cNvPicPr>
             <a:picLocks noChangeAspect="1"/>
           </p:cNvPicPr>
@@ -3726,7 +3774,7 @@
       </p:sp>
       <p:pic>
         <p:nvPicPr>
-          <p:cNvPr id="4" name="Picture 3" descr="metrics_chart.png"/>
+          <p:cNvPr id="4" name="Picture 3" descr="sales_data_20251203_135440_comparison.png"/>
           <p:cNvPicPr>
             <a:picLocks noChangeAspect="1"/>
           </p:cNvPicPr>
@@ -3804,6 +3852,126 @@
               </a:defRPr>
             </a:pPr>
             <a:r>
+              <a:t>Analysis Chart 3</a:t>
+            </a:r>
+          </a:p>
+        </p:txBody>
+      </p:sp>
+      <p:sp>
+        <p:nvSpPr>
+          <p:cNvPr id="3" name="TextBox 2"/>
+          <p:cNvSpPr txBox="1"/>
+          <p:nvPr/>
+        </p:nvSpPr>
+        <p:spPr>
+          <a:xfrm>
+            <a:off x="914400" y="1645920"/>
+            <a:ext cx="7315200" cy="548640"/>
+          </a:xfrm>
+          <a:prstGeom prst="rect">
+            <a:avLst/>
+          </a:prstGeom>
+          <a:noFill/>
+        </p:spPr>
+        <p:txBody>
+          <a:bodyPr wrap="none">
+            <a:spAutoFit/>
+          </a:bodyPr>
+          <a:lstStyle/>
+          <a:p>
+            <a:pPr>
+              <a:defRPr sz="1200">
+                <a:solidFill>
+                  <a:srgbClr val="666666"/>
+                </a:solidFill>
+              </a:defRPr>
+            </a:pPr>
+            <a:r>
+              <a:t>Data visualization and analysis.</a:t>
+            </a:r>
+          </a:p>
+        </p:txBody>
+      </p:sp>
+      <p:pic>
+        <p:nvPicPr>
+          <p:cNvPr id="4" name="Picture 3" descr="sales_data_20251203_135440_correlation.png"/>
+          <p:cNvPicPr>
+            <a:picLocks noChangeAspect="1"/>
+          </p:cNvPicPr>
+          <p:nvPr/>
+        </p:nvPicPr>
+        <p:blipFill>
+          <a:blip r:embed="rId2"/>
+          <a:stretch>
+            <a:fillRect/>
+          </a:stretch>
+        </p:blipFill>
+        <p:spPr>
+          <a:xfrm>
+            <a:off x="457200" y="2286000"/>
+            <a:ext cx="8229600" cy="4114800"/>
+          </a:xfrm>
+          <a:prstGeom prst="rect">
+            <a:avLst/>
+          </a:prstGeom>
+        </p:spPr>
+      </p:pic>
+    </p:spTree>
+  </p:cSld>
+  <p:clrMapOvr>
+    <a:masterClrMapping/>
+  </p:clrMapOvr>
+</p:sld>
+</file>
+
+<file path=ppt/slides/slide7.xml><?xml version="1.0" encoding="utf-8"?>
+<p:sld xmlns:a="http://schemas.openxmlformats.org/drawingml/2006/main" xmlns:p="http://schemas.openxmlformats.org/presentationml/2006/main" xmlns:r="http://schemas.openxmlformats.org/officeDocument/2006/relationships">
+  <p:cSld>
+    <p:bg>
+      <p:bgPr>
+        <a:solidFill>
+          <a:srgbClr val="F8F9FA"/>
+        </a:solidFill>
+        <a:effectLst/>
+      </p:bgPr>
+    </p:bg>
+    <p:spTree>
+      <p:nvGrpSpPr>
+        <p:cNvPr id="1" name=""/>
+        <p:cNvGrpSpPr/>
+        <p:nvPr/>
+      </p:nvGrpSpPr>
+      <p:grpSpPr/>
+      <p:sp>
+        <p:nvSpPr>
+          <p:cNvPr id="2" name="TextBox 1"/>
+          <p:cNvSpPr txBox="1"/>
+          <p:nvPr/>
+        </p:nvSpPr>
+        <p:spPr>
+          <a:xfrm>
+            <a:off x="914400" y="457200"/>
+            <a:ext cx="7315200" cy="914400"/>
+          </a:xfrm>
+          <a:prstGeom prst="rect">
+            <a:avLst/>
+          </a:prstGeom>
+          <a:noFill/>
+        </p:spPr>
+        <p:txBody>
+          <a:bodyPr wrap="none">
+            <a:spAutoFit/>
+          </a:bodyPr>
+          <a:lstStyle/>
+          <a:p>
+            <a:pPr algn="l">
+              <a:defRPr sz="2400" b="1">
+                <a:solidFill>
+                  <a:srgbClr val="2E75B6"/>
+                </a:solidFill>
+              </a:defRPr>
+            </a:pPr>
+            <a:r>
               <a:t>Key Insights &amp; Recommendations</a:t>
             </a:r>
           </a:p>
@@ -3854,7 +4022,26 @@
               </a:defRPr>
             </a:pPr>
             <a:r>
-              <a:t>• Current total rainfall mm stands at 44, representing a significant business metric that impacts overall performance.</a:t>
+              <a:t>• The business has generated a substantial total revenue of $334,035.0 from 30 sales records, demonstrating strong overall sales performance within the analyzed period.</a:t>
+            </a:r>
+          </a:p>
+          <a:p>
+            <a:pPr>
+              <a:spcAft>
+                <a:spcPts val="1200"/>
+              </a:spcAft>
+            </a:pPr>
+          </a:p>
+          <a:p>
+            <a:pPr>
+              <a:defRPr sz="1800" b="1">
+                <a:solidFill>
+                  <a:srgbClr val="2E75B6"/>
+                </a:solidFill>
+              </a:defRPr>
+            </a:pPr>
+            <a:r>
+              <a:t>Strategic Recommendations:</a:t>
             </a:r>
           </a:p>
           <a:p>
@@ -3869,26 +4056,7 @@
               </a:defRPr>
             </a:pPr>
             <a:r>
-              <a:t>• Declining rainfall mm growth rate at -29.7% requires immediate attention to prevent further performance deterioration.</a:t>
-            </a:r>
-          </a:p>
-          <a:p>
-            <a:pPr>
-              <a:spcAft>
-                <a:spcPts val="1200"/>
-              </a:spcAft>
-            </a:pPr>
-          </a:p>
-          <a:p>
-            <a:pPr>
-              <a:defRPr sz="1800" b="1">
-                <a:solidFill>
-                  <a:srgbClr val="2E75B6"/>
-                </a:solidFill>
-              </a:defRPr>
-            </a:pPr>
-            <a:r>
-              <a:t>Strategic Recommendations:</a:t>
+              <a:t>• **Enhance Customer Retention:** Invest in sophisticated customer relationship management (CRM) initiatives specifically targeting existing high-value clients to encourage repeat purchases and maximize their lifetime value, leveraging the proven capability to secure significant transactions.</a:t>
             </a:r>
           </a:p>
           <a:p>
@@ -3903,7 +4071,7 @@
               </a:defRPr>
             </a:pPr>
             <a:r>
-              <a:t>• Implement comprehensive performance monitoring systems to track key business indicators in real-time.</a:t>
+              <a:t>• **Explore Premium Offerings:** Capitalize on the established high average order value by exploring new premium market segments or developing complementary high-value product and service lines, aligning with the business's demonstrated success in selling high-ticket items.</a:t>
             </a:r>
           </a:p>
           <a:p>
@@ -3918,22 +4086,7 @@
               </a:defRPr>
             </a:pPr>
             <a:r>
-              <a:t>• Develop targeted strategies to capitalize on high-performing areas while addressing underperforming segments.</a:t>
-            </a:r>
-          </a:p>
-          <a:p>
-            <a:pPr>
-              <a:spcAft>
-                <a:spcPts val="800"/>
-              </a:spcAft>
-              <a:defRPr sz="1400">
-                <a:solidFill>
-                  <a:srgbClr val="333333"/>
-                </a:solidFill>
-              </a:defRPr>
-            </a:pPr>
-            <a:r>
-              <a:t>• Establish regular review cycles to assess progress against business objectives and adjust tactics accordingly.</a:t>
+              <a:t>• **Optimize Sales Funnel for Large Deals:** Conduct a thorough analysis of the sales pipeline for high-value transactions to identify and eliminate potential bottlenecks, thereby optimizing conversion rates and further enhancing efficiency in securing major deals.</a:t>
             </a:r>
           </a:p>
         </p:txBody>
@@ -3946,7 +4099,7 @@
 </p:sld>
 </file>
 
-<file path=ppt/slides/slide7.xml><?xml version="1.0" encoding="utf-8"?>
+<file path=ppt/slides/slide8.xml><?xml version="1.0" encoding="utf-8"?>
 <p:sld xmlns:a="http://schemas.openxmlformats.org/drawingml/2006/main" xmlns:p="http://schemas.openxmlformats.org/presentationml/2006/main" xmlns:r="http://schemas.openxmlformats.org/officeDocument/2006/relationships">
   <p:cSld>
     <p:bg>
@@ -4044,7 +4197,7 @@
               </a:defRPr>
             </a:pPr>
             <a:r>
-              <a:t>• Implement comprehensive performance monitoring systems to track key business indicators in real-time.</a:t>
+              <a:t>• **Enhance Customer Retention:** Invest in sophisticated customer relationship management (CRM) initiatives specifically targeting existing high-value clients to encourage repeat purchases and maximize their lifetime value, leveraging the proven capability to secure significant transactions.</a:t>
             </a:r>
           </a:p>
           <a:p>
@@ -4059,7 +4212,7 @@
               </a:defRPr>
             </a:pPr>
             <a:r>
-              <a:t>• Develop targeted strategies to capitalize on high-performing areas while addressing underperforming segments.</a:t>
+              <a:t>• **Explore Premium Offerings:** Capitalize on the established high average order value by exploring new premium market segments or developing complementary high-value product and service lines, aligning with the business's demonstrated success in selling high-ticket items.</a:t>
             </a:r>
           </a:p>
           <a:p>
@@ -4074,7 +4227,7 @@
               </a:defRPr>
             </a:pPr>
             <a:r>
-              <a:t>• Establish regular review cycles to assess progress against business objectives and adjust tactics accordingly.</a:t>
+              <a:t>• **Optimize Sales Funnel for Large Deals:** Conduct a thorough analysis of the sales pipeline for high-value transactions to identify and eliminate potential bottlenecks, thereby optimizing conversion rates and further enhancing efficiency in securing major deals.</a:t>
             </a:r>
           </a:p>
         </p:txBody>
